--- a/paper/figure.pptx
+++ b/paper/figure.pptx
@@ -6406,8 +6406,8 @@
           </p:nvSpPr>
           <p:spPr>
             <a:xfrm>
-              <a:off x="4449071" y="1906377"/>
-              <a:ext cx="864339" cy="200055"/>
+              <a:off x="4461093" y="1906377"/>
+              <a:ext cx="840295" cy="200055"/>
             </a:xfrm>
             <a:prstGeom prst="rect">
               <a:avLst/>
@@ -6422,11 +6422,11 @@
             <a:p>
               <a:pPr algn="ctr"/>
               <a:r>
-                <a:rPr lang="en-US" sz="700" b="1">
+                <a:rPr lang="en-US" sz="700" b="1" dirty="0">
                   <a:latin typeface="Arial" panose="020B0604020202020204" pitchFamily="34" charset="0"/>
                   <a:cs typeface="Arial" panose="020B0604020202020204" pitchFamily="34" charset="0"/>
                 </a:rPr>
-                <a:t>Single Cell Data</a:t>
+                <a:t>Single cell data</a:t>
               </a:r>
             </a:p>
           </p:txBody>
@@ -6461,11 +6461,11 @@
             <a:p>
               <a:pPr algn="ctr"/>
               <a:r>
-                <a:rPr lang="en-US" sz="700" b="1">
+                <a:rPr lang="en-US" sz="700" b="1" dirty="0">
                   <a:latin typeface="Arial" panose="020B0604020202020204" pitchFamily="34" charset="0"/>
                   <a:cs typeface="Arial" panose="020B0604020202020204" pitchFamily="34" charset="0"/>
                 </a:rPr>
-                <a:t>Manual Phenotyping via Phenotypes Codes</a:t>
+                <a:t>Manual phenotyping via phenotypes codes</a:t>
               </a:r>
             </a:p>
           </p:txBody>
